--- a/outils_numeriques/b1_methodes_numeriques/seance4_classes/B1_3_Classes_et_objets.pptx
+++ b/outils_numeriques/b1_methodes_numeriques/seance4_classes/B1_3_Classes_et_objets.pptx
@@ -208,7 +208,7 @@
           <a:p>
             <a:fld id="{95F60532-AC81-4152-B45E-E054A978F780}" type="datetimeFigureOut">
               <a:rPr lang="fr-FR" smtClean="0"/>
-              <a:t>09/04/2023</a:t>
+              <a:t>05/05/2023</a:t>
             </a:fld>
             <a:endParaRPr lang="fr-FR"/>
           </a:p>
@@ -799,7 +799,7 @@
           <a:p>
             <a:fld id="{02AC24A9-CCB6-4F8D-B8DB-C2F3692CFA5A}" type="datetimeFigureOut">
               <a:rPr lang="en-US" smtClean="0"/>
-              <a:t>4/9/2023</a:t>
+              <a:t>5/5/2023</a:t>
             </a:fld>
             <a:endParaRPr lang="en-US" dirty="0"/>
           </a:p>
@@ -1169,7 +1169,7 @@
           <a:p>
             <a:fld id="{02AC24A9-CCB6-4F8D-B8DB-C2F3692CFA5A}" type="datetimeFigureOut">
               <a:rPr lang="en-US" smtClean="0"/>
-              <a:t>4/9/2023</a:t>
+              <a:t>5/5/2023</a:t>
             </a:fld>
             <a:endParaRPr lang="en-US"/>
           </a:p>
@@ -1378,7 +1378,7 @@
           <a:p>
             <a:fld id="{02AC24A9-CCB6-4F8D-B8DB-C2F3692CFA5A}" type="datetimeFigureOut">
               <a:rPr lang="en-US" smtClean="0"/>
-              <a:t>4/9/2023</a:t>
+              <a:t>5/5/2023</a:t>
             </a:fld>
             <a:endParaRPr lang="en-US"/>
           </a:p>
@@ -1848,7 +1848,7 @@
           <a:p>
             <a:fld id="{02AC24A9-CCB6-4F8D-B8DB-C2F3692CFA5A}" type="datetimeFigureOut">
               <a:rPr lang="en-US" smtClean="0"/>
-              <a:t>4/9/2023</a:t>
+              <a:t>5/5/2023</a:t>
             </a:fld>
             <a:endParaRPr lang="en-US"/>
           </a:p>
@@ -2302,7 +2302,7 @@
           <a:p>
             <a:fld id="{02AC24A9-CCB6-4F8D-B8DB-C2F3692CFA5A}" type="datetimeFigureOut">
               <a:rPr lang="en-US" smtClean="0"/>
-              <a:t>4/9/2023</a:t>
+              <a:t>5/5/2023</a:t>
             </a:fld>
             <a:endParaRPr lang="en-US"/>
           </a:p>
@@ -2834,7 +2834,7 @@
           <a:p>
             <a:fld id="{02AC24A9-CCB6-4F8D-B8DB-C2F3692CFA5A}" type="datetimeFigureOut">
               <a:rPr lang="en-US" smtClean="0"/>
-              <a:t>4/9/2023</a:t>
+              <a:t>5/5/2023</a:t>
             </a:fld>
             <a:endParaRPr lang="en-US"/>
           </a:p>
@@ -3533,7 +3533,7 @@
           <a:p>
             <a:fld id="{02AC24A9-CCB6-4F8D-B8DB-C2F3692CFA5A}" type="datetimeFigureOut">
               <a:rPr lang="en-US" smtClean="0"/>
-              <a:t>4/9/2023</a:t>
+              <a:t>5/5/2023</a:t>
             </a:fld>
             <a:endParaRPr lang="en-US"/>
           </a:p>
@@ -3862,7 +3862,7 @@
           <a:p>
             <a:fld id="{02AC24A9-CCB6-4F8D-B8DB-C2F3692CFA5A}" type="datetimeFigureOut">
               <a:rPr lang="en-US" smtClean="0"/>
-              <a:t>4/9/2023</a:t>
+              <a:t>5/5/2023</a:t>
             </a:fld>
             <a:endParaRPr lang="en-US"/>
           </a:p>
@@ -3975,7 +3975,7 @@
           <a:p>
             <a:fld id="{02AC24A9-CCB6-4F8D-B8DB-C2F3692CFA5A}" type="datetimeFigureOut">
               <a:rPr lang="en-US" smtClean="0"/>
-              <a:t>4/9/2023</a:t>
+              <a:t>5/5/2023</a:t>
             </a:fld>
             <a:endParaRPr lang="en-US"/>
           </a:p>
@@ -4470,7 +4470,7 @@
           <a:p>
             <a:fld id="{02AC24A9-CCB6-4F8D-B8DB-C2F3692CFA5A}" type="datetimeFigureOut">
               <a:rPr lang="en-US" smtClean="0"/>
-              <a:t>4/9/2023</a:t>
+              <a:t>5/5/2023</a:t>
             </a:fld>
             <a:endParaRPr lang="en-US" dirty="0"/>
           </a:p>
@@ -4947,7 +4947,7 @@
           <a:p>
             <a:fld id="{02AC24A9-CCB6-4F8D-B8DB-C2F3692CFA5A}" type="datetimeFigureOut">
               <a:rPr lang="en-US" smtClean="0"/>
-              <a:t>4/9/2023</a:t>
+              <a:t>5/5/2023</a:t>
             </a:fld>
             <a:endParaRPr lang="en-US"/>
           </a:p>
@@ -5190,7 +5190,7 @@
           <a:p>
             <a:fld id="{02AC24A9-CCB6-4F8D-B8DB-C2F3692CFA5A}" type="datetimeFigureOut">
               <a:rPr lang="en-US" smtClean="0"/>
-              <a:t>4/9/2023</a:t>
+              <a:t>5/5/2023</a:t>
             </a:fld>
             <a:endParaRPr lang="en-US"/>
           </a:p>
